--- a/oouchi/1.2_LogisticRegression_TextAnalyze/1.2_RogisticRegression(TextAnalyze).pptx
+++ b/oouchi/1.2_LogisticRegression_TextAnalyze/1.2_RogisticRegression(TextAnalyze).pptx
@@ -8582,13 +8582,13 @@
           <p:nvPr>
             <p:extLst>
               <p:ext uri="{D42A27DB-BD31-4B8C-83A1-F6EECF244321}">
-                <p14:modId xmlns:p14="http://schemas.microsoft.com/office/powerpoint/2010/main" val="532838827"/>
+                <p14:modId xmlns:p14="http://schemas.microsoft.com/office/powerpoint/2010/main" val="3457173752"/>
               </p:ext>
             </p:extLst>
           </p:nvPr>
         </p:nvGraphicFramePr>
         <p:xfrm>
-          <a:off x="1171745" y="1945640"/>
+          <a:off x="621069" y="1556792"/>
           <a:ext cx="3197093" cy="2966720"/>
         </p:xfrm>
         <a:graphic>
@@ -8930,7 +8930,7 @@
         </p:blipFill>
         <p:spPr>
           <a:xfrm>
-            <a:off x="4775156" y="3626113"/>
+            <a:off x="5188793" y="2836086"/>
             <a:ext cx="2695575" cy="2619375"/>
           </a:xfrm>
           <a:prstGeom prst="rect">
@@ -8952,8 +8952,8 @@
         </p:nvSpPr>
         <p:spPr>
           <a:xfrm>
-            <a:off x="4668507" y="1914771"/>
-            <a:ext cx="3575901" cy="1077218"/>
+            <a:off x="4572001" y="1589891"/>
+            <a:ext cx="4248472" cy="830997"/>
           </a:xfrm>
           <a:prstGeom prst="rect">
             <a:avLst/>
@@ -9034,7 +9034,7 @@
         </p:nvSpPr>
         <p:spPr>
           <a:xfrm>
-            <a:off x="5590316" y="3295582"/>
+            <a:off x="6003953" y="2505555"/>
             <a:ext cx="935891" cy="283187"/>
           </a:xfrm>
           <a:prstGeom prst="roundRect">
@@ -9091,7 +9091,7 @@
         </p:nvSpPr>
         <p:spPr>
           <a:xfrm>
-            <a:off x="5783268" y="4130169"/>
+            <a:off x="6196905" y="3340142"/>
             <a:ext cx="1440159" cy="1584175"/>
           </a:xfrm>
           <a:prstGeom prst="roundRect">
@@ -9153,7 +9153,7 @@
         </p:nvCxnSpPr>
         <p:spPr>
           <a:xfrm flipH="1">
-            <a:off x="6058261" y="3578769"/>
+            <a:off x="6471898" y="2788742"/>
             <a:ext cx="1" cy="407384"/>
           </a:xfrm>
           <a:prstGeom prst="straightConnector1">
@@ -9178,6 +9178,73 @@
           </a:fontRef>
         </p:style>
       </p:cxnSp>
+      <p:sp>
+        <p:nvSpPr>
+          <p:cNvPr id="10" name="吹き出し: 角を丸めた四角形 9">
+            <a:extLst>
+              <a:ext uri="{FF2B5EF4-FFF2-40B4-BE49-F238E27FC236}">
+                <a16:creationId xmlns:a16="http://schemas.microsoft.com/office/drawing/2014/main" id="{6F4BCFEC-F01B-4AA4-81C1-1869A7BB5F28}"/>
+              </a:ext>
+            </a:extLst>
+          </p:cNvPr>
+          <p:cNvSpPr/>
+          <p:nvPr/>
+        </p:nvSpPr>
+        <p:spPr>
+          <a:xfrm>
+            <a:off x="323529" y="4912743"/>
+            <a:ext cx="4392488" cy="1108545"/>
+          </a:xfrm>
+          <a:prstGeom prst="wedgeRoundRectCallout">
+            <a:avLst>
+              <a:gd name="adj1" fmla="val -18533"/>
+              <a:gd name="adj2" fmla="val -69018"/>
+              <a:gd name="adj3" fmla="val 16667"/>
+            </a:avLst>
+          </a:prstGeom>
+        </p:spPr>
+        <p:style>
+          <a:lnRef idx="2">
+            <a:schemeClr val="dk1"/>
+          </a:lnRef>
+          <a:fillRef idx="1">
+            <a:schemeClr val="lt1"/>
+          </a:fillRef>
+          <a:effectRef idx="0">
+            <a:schemeClr val="dk1"/>
+          </a:effectRef>
+          <a:fontRef idx="minor">
+            <a:schemeClr val="dk1"/>
+          </a:fontRef>
+        </p:style>
+        <p:txBody>
+          <a:bodyPr rtlCol="0" anchor="t" anchorCtr="0"/>
+          <a:lstStyle/>
+          <a:p>
+            <a:r>
+              <a:rPr kumimoji="1" lang="ja-JP" altLang="en-US" sz="1400" dirty="0"/>
+              <a:t>キーワード１つ１つに対して、ロジスティック回帰を適用し、</a:t>
+            </a:r>
+            <a:r>
+              <a:rPr lang="en-US" altLang="ja-JP" sz="1400" dirty="0"/>
+              <a:t>AUC</a:t>
+            </a:r>
+            <a:r>
+              <a:rPr lang="ja-JP" altLang="en-US" sz="1400" dirty="0"/>
+              <a:t>を求めている。よって、多クラス分類（</a:t>
+            </a:r>
+            <a:r>
+              <a:rPr lang="en-US" altLang="ja-JP" sz="1400" dirty="0"/>
+              <a:t>OVR</a:t>
+            </a:r>
+            <a:r>
+              <a:rPr lang="ja-JP" altLang="en-US" sz="1400" dirty="0"/>
+              <a:t>）ではない。詳細はサンプルコードに記載してある。</a:t>
+            </a:r>
+            <a:endParaRPr kumimoji="1" lang="en-US" altLang="ja-JP" sz="1400" dirty="0"/>
+          </a:p>
+        </p:txBody>
+      </p:sp>
     </p:spTree>
     <p:extLst>
       <p:ext uri="{BB962C8B-B14F-4D97-AF65-F5344CB8AC3E}">

--- a/oouchi/1.2_LogisticRegression_TextAnalyze/1.2_RogisticRegression(TextAnalyze).pptx
+++ b/oouchi/1.2_LogisticRegression_TextAnalyze/1.2_RogisticRegression(TextAnalyze).pptx
@@ -16,13 +16,13 @@
     <p:sldId id="262" r:id="rId7"/>
     <p:sldId id="263" r:id="rId8"/>
     <p:sldId id="264" r:id="rId9"/>
-    <p:sldId id="265" r:id="rId10"/>
-    <p:sldId id="276" r:id="rId11"/>
-    <p:sldId id="266" r:id="rId12"/>
-    <p:sldId id="273" r:id="rId13"/>
-    <p:sldId id="274" r:id="rId14"/>
-    <p:sldId id="269" r:id="rId15"/>
-    <p:sldId id="270" r:id="rId16"/>
+    <p:sldId id="270" r:id="rId10"/>
+    <p:sldId id="269" r:id="rId11"/>
+    <p:sldId id="265" r:id="rId12"/>
+    <p:sldId id="276" r:id="rId13"/>
+    <p:sldId id="266" r:id="rId14"/>
+    <p:sldId id="273" r:id="rId15"/>
+    <p:sldId id="274" r:id="rId16"/>
   </p:sldIdLst>
   <p:sldSz cx="9144000" cy="6858000" type="screen4x3"/>
   <p:notesSz cx="6858000" cy="9144000"/>
@@ -222,7 +222,7 @@
           <a:p>
             <a:fld id="{35AF1AB0-152F-4944-8B0B-D6AC80456478}" type="datetimeFigureOut">
               <a:rPr kumimoji="1" lang="ja-JP" altLang="en-US" smtClean="0"/>
-              <a:t>2018/11/28</a:t>
+              <a:t>2018/12/7</a:t>
             </a:fld>
             <a:endParaRPr kumimoji="1" lang="ja-JP" altLang="en-US"/>
           </a:p>
@@ -709,7 +709,7 @@
           <a:p>
             <a:fld id="{9162DFDF-7161-450E-AA25-87B734D9927A}" type="datetime1">
               <a:rPr kumimoji="1" lang="ja-JP" altLang="en-US" smtClean="0"/>
-              <a:t>2018/11/28</a:t>
+              <a:t>2018/12/7</a:t>
             </a:fld>
             <a:endParaRPr kumimoji="1" lang="ja-JP" altLang="en-US"/>
           </a:p>
@@ -941,7 +941,7 @@
           <a:p>
             <a:fld id="{05170B31-FCB0-4503-B8DD-4901361C2F6F}" type="datetime1">
               <a:rPr kumimoji="1" lang="ja-JP" altLang="en-US" smtClean="0"/>
-              <a:t>2018/11/28</a:t>
+              <a:t>2018/12/7</a:t>
             </a:fld>
             <a:endParaRPr kumimoji="1" lang="ja-JP" altLang="en-US"/>
           </a:p>
@@ -1148,7 +1148,7 @@
           <a:p>
             <a:fld id="{A285A42D-9368-4BB8-90BE-0F899494FD93}" type="datetime1">
               <a:rPr kumimoji="1" lang="ja-JP" altLang="en-US" smtClean="0"/>
-              <a:t>2018/11/28</a:t>
+              <a:t>2018/12/7</a:t>
             </a:fld>
             <a:endParaRPr kumimoji="1" lang="ja-JP" altLang="en-US"/>
           </a:p>
@@ -1345,7 +1345,7 @@
           <a:p>
             <a:fld id="{AC56DD09-0C5E-431E-AADA-074A2AD145DD}" type="datetime1">
               <a:rPr kumimoji="1" lang="ja-JP" altLang="en-US" smtClean="0"/>
-              <a:t>2018/11/28</a:t>
+              <a:t>2018/12/7</a:t>
             </a:fld>
             <a:endParaRPr kumimoji="1" lang="ja-JP" altLang="en-US"/>
           </a:p>
@@ -1593,7 +1593,7 @@
           <a:p>
             <a:fld id="{E3F455DD-B8CA-4C30-97FD-952368997C4F}" type="datetime1">
               <a:rPr kumimoji="1" lang="ja-JP" altLang="en-US" smtClean="0"/>
-              <a:t>2018/11/28</a:t>
+              <a:t>2018/12/7</a:t>
             </a:fld>
             <a:endParaRPr kumimoji="1" lang="ja-JP" altLang="en-US"/>
           </a:p>
@@ -1975,7 +1975,7 @@
           <a:p>
             <a:fld id="{6AD42BE7-B330-4BC3-BB4C-EE0029A16A41}" type="datetime1">
               <a:rPr kumimoji="1" lang="ja-JP" altLang="en-US" smtClean="0"/>
-              <a:t>2018/11/28</a:t>
+              <a:t>2018/12/7</a:t>
             </a:fld>
             <a:endParaRPr kumimoji="1" lang="ja-JP" altLang="en-US"/>
           </a:p>
@@ -2505,7 +2505,7 @@
           <a:p>
             <a:fld id="{68A324F7-1AF9-496C-9147-148D735ACB58}" type="datetime1">
               <a:rPr kumimoji="1" lang="ja-JP" altLang="en-US" smtClean="0"/>
-              <a:t>2018/11/28</a:t>
+              <a:t>2018/12/7</a:t>
             </a:fld>
             <a:endParaRPr kumimoji="1" lang="ja-JP" altLang="en-US"/>
           </a:p>
@@ -2653,7 +2653,7 @@
           <a:p>
             <a:fld id="{27AA0BA3-AB01-4609-88A0-55AAC0CC76BD}" type="datetime1">
               <a:rPr kumimoji="1" lang="ja-JP" altLang="en-US" smtClean="0"/>
-              <a:t>2018/11/28</a:t>
+              <a:t>2018/12/7</a:t>
             </a:fld>
             <a:endParaRPr kumimoji="1" lang="ja-JP" altLang="en-US"/>
           </a:p>
@@ -2743,7 +2743,7 @@
           <a:p>
             <a:fld id="{0CFBF5D4-B5CC-4467-B796-C67F515DE3C5}" type="datetime1">
               <a:rPr kumimoji="1" lang="ja-JP" altLang="en-US" smtClean="0"/>
-              <a:t>2018/11/28</a:t>
+              <a:t>2018/12/7</a:t>
             </a:fld>
             <a:endParaRPr kumimoji="1" lang="ja-JP" altLang="en-US"/>
           </a:p>
@@ -3049,7 +3049,7 @@
           <a:p>
             <a:fld id="{A0163980-AAA3-47F9-A262-0D3864F1B223}" type="datetime1">
               <a:rPr kumimoji="1" lang="ja-JP" altLang="en-US" smtClean="0"/>
-              <a:t>2018/11/28</a:t>
+              <a:t>2018/12/7</a:t>
             </a:fld>
             <a:endParaRPr kumimoji="1" lang="ja-JP" altLang="en-US"/>
           </a:p>
@@ -3354,7 +3354,7 @@
           <a:p>
             <a:fld id="{848859B9-DC56-434E-8346-7979ED5DF987}" type="datetime1">
               <a:rPr kumimoji="1" lang="ja-JP" altLang="en-US" smtClean="0"/>
-              <a:t>2018/11/28</a:t>
+              <a:t>2018/12/7</a:t>
             </a:fld>
             <a:endParaRPr kumimoji="1" lang="ja-JP" altLang="en-US"/>
           </a:p>
@@ -3684,7 +3684,7 @@
           <a:p>
             <a:fld id="{8A9F02A4-63CC-4654-A6E7-8D37C032D0CA}" type="datetime1">
               <a:rPr kumimoji="1" lang="ja-JP" altLang="en-US" smtClean="0"/>
-              <a:t>2018/11/28</a:t>
+              <a:t>2018/12/7</a:t>
             </a:fld>
             <a:endParaRPr kumimoji="1" lang="ja-JP" altLang="en-US"/>
           </a:p>
@@ -4222,28 +4222,152 @@
           <a:lstStyle/>
           <a:p>
             <a:r>
+              <a:rPr lang="ja-JP" altLang="en-US" dirty="0"/>
+              <a:t>出典</a:t>
+            </a:r>
+            <a:endParaRPr kumimoji="1" lang="ja-JP" altLang="en-US" dirty="0"/>
+          </a:p>
+        </p:txBody>
+      </p:sp>
+      <p:sp>
+        <p:nvSpPr>
+          <p:cNvPr id="3" name="コンテンツ プレースホルダー 2"/>
+          <p:cNvSpPr>
+            <a:spLocks noGrp="1"/>
+          </p:cNvSpPr>
+          <p:nvPr>
+            <p:ph idx="1"/>
+          </p:nvPr>
+        </p:nvSpPr>
+        <p:spPr/>
+        <p:txBody>
+          <a:bodyPr/>
+          <a:lstStyle/>
+          <a:p>
+            <a:r>
+              <a:rPr lang="en-US" altLang="ja-JP" dirty="0"/>
+              <a:t>TF-IDF </a:t>
+            </a:r>
+            <a:r>
+              <a:rPr lang="ja-JP" altLang="en-US" dirty="0"/>
+              <a:t>で文書をベクトル化。</a:t>
+            </a:r>
+            <a:r>
+              <a:rPr lang="en-US" altLang="ja-JP" dirty="0"/>
+              <a:t>python </a:t>
+            </a:r>
+            <a:r>
+              <a:rPr lang="ja-JP" altLang="en-US" dirty="0"/>
+              <a:t>の </a:t>
+            </a:r>
+            <a:r>
+              <a:rPr lang="en-US" altLang="ja-JP" dirty="0" err="1"/>
+              <a:t>TfidfVectorizer</a:t>
+            </a:r>
+            <a:r>
+              <a:rPr lang="en-US" altLang="ja-JP" dirty="0"/>
+              <a:t> </a:t>
+            </a:r>
+            <a:r>
+              <a:rPr lang="ja-JP" altLang="en-US" dirty="0"/>
+              <a:t>を使ってみる</a:t>
+            </a:r>
+            <a:endParaRPr lang="en-US" altLang="ja-JP" dirty="0"/>
+          </a:p>
+          <a:p>
+            <a:pPr lvl="1"/>
+            <a:r>
+              <a:rPr lang="en-US" altLang="ja-JP" dirty="0">
+                <a:hlinkClick r:id="rId2"/>
+              </a:rPr>
+              <a:t>http://ailaby.com/tfidf/</a:t>
+            </a:r>
+            <a:endParaRPr lang="en-US" altLang="ja-JP" dirty="0"/>
+          </a:p>
+          <a:p>
+            <a:r>
+              <a:rPr lang="en-US" altLang="ja-JP" dirty="0" err="1"/>
+              <a:t>TfidfVectorizer</a:t>
+            </a:r>
+            <a:r>
+              <a:rPr lang="ja-JP" altLang="en-US" dirty="0"/>
+              <a:t>のよく使いそうなオプションまとめ</a:t>
+            </a:r>
+            <a:endParaRPr lang="en-US" altLang="ja-JP" dirty="0"/>
+          </a:p>
+          <a:p>
+            <a:pPr lvl="1"/>
+            <a:r>
+              <a:rPr lang="en-US" altLang="ja-JP" dirty="0">
+                <a:hlinkClick r:id="rId3"/>
+              </a:rPr>
+              <a:t>http://moritamori.hatenablog.com/entry/tfidf_vectorizer</a:t>
+            </a:r>
+            <a:endParaRPr lang="en-US" altLang="ja-JP" dirty="0"/>
+          </a:p>
+          <a:p>
+            <a:r>
+              <a:rPr lang="en-US" altLang="ja-JP" dirty="0" err="1"/>
+              <a:t>scikit</a:t>
+            </a:r>
+            <a:r>
+              <a:rPr lang="en-US" altLang="ja-JP" dirty="0"/>
+              <a:t>-learn</a:t>
+            </a:r>
+            <a:r>
+              <a:rPr lang="ja-JP" altLang="en-US" dirty="0"/>
+              <a:t>で</a:t>
+            </a:r>
+            <a:r>
+              <a:rPr lang="en-US" altLang="ja-JP" dirty="0" err="1"/>
+              <a:t>tf-idf</a:t>
+            </a:r>
+            <a:r>
+              <a:rPr lang="ja-JP" altLang="en-US" dirty="0"/>
+              <a:t>を計算する</a:t>
+            </a:r>
+            <a:endParaRPr lang="en-US" altLang="ja-JP" dirty="0"/>
+          </a:p>
+          <a:p>
+            <a:pPr lvl="1"/>
+            <a:r>
+              <a:rPr lang="en-US" altLang="ja-JP" dirty="0">
+                <a:hlinkClick r:id="rId4"/>
+              </a:rPr>
+              <a:t>https://qiita.com/katryo/items/f86971afcb65ce1e7d40</a:t>
+            </a:r>
+            <a:endParaRPr lang="en-US" altLang="ja-JP" dirty="0"/>
+          </a:p>
+          <a:p>
+            <a:r>
+              <a:rPr kumimoji="1" lang="en-US" altLang="ja-JP" dirty="0" err="1"/>
+              <a:t>Scikit</a:t>
+            </a:r>
+            <a:r>
+              <a:rPr kumimoji="1" lang="en-US" altLang="ja-JP" dirty="0"/>
+              <a:t>-learn</a:t>
+            </a:r>
+            <a:r>
               <a:rPr kumimoji="1" lang="ja-JP" altLang="en-US" dirty="0"/>
-              <a:t>理論的背景</a:t>
-            </a:r>
-            <a:r>
-              <a:rPr kumimoji="1" lang="ja-JP" altLang="en-US" sz="3200" dirty="0"/>
-              <a:t>（</a:t>
-            </a:r>
-            <a:r>
-              <a:rPr kumimoji="1" lang="en-US" altLang="ja-JP" sz="3200" dirty="0"/>
-              <a:t>1. </a:t>
-            </a:r>
-            <a:r>
-              <a:rPr kumimoji="1" lang="ja-JP" altLang="en-US" sz="3200" dirty="0"/>
-              <a:t>考え方）</a:t>
-            </a:r>
-            <a:endParaRPr kumimoji="1" lang="ja-JP" altLang="en-US" dirty="0"/>
-          </a:p>
-        </p:txBody>
-      </p:sp>
-      <p:sp>
-        <p:nvSpPr>
-          <p:cNvPr id="3" name="スライド番号プレースホルダー 2"/>
+              <a:t>本家</a:t>
+            </a:r>
+            <a:endParaRPr kumimoji="1" lang="en-US" altLang="ja-JP" dirty="0"/>
+          </a:p>
+          <a:p>
+            <a:pPr lvl="1"/>
+            <a:r>
+              <a:rPr lang="en-US" altLang="ja-JP" sz="1800" dirty="0">
+                <a:hlinkClick r:id="rId5"/>
+              </a:rPr>
+              <a:t>https://scikit-learn.org/stable/modules/generated/sklearn.feature_extraction.text.TfidfVectorizer.html</a:t>
+            </a:r>
+            <a:endParaRPr kumimoji="1" lang="ja-JP" altLang="en-US" sz="1800" dirty="0"/>
+          </a:p>
+        </p:txBody>
+      </p:sp>
+      <p:sp>
+        <p:nvSpPr>
+          <p:cNvPr id="4" name="スライド番号プレースホルダー 3"/>
           <p:cNvSpPr>
             <a:spLocks noGrp="1"/>
           </p:cNvSpPr>
@@ -4259,6 +4383,267 @@
             <a:fld id="{D2D8002D-B5B0-4BAC-B1F6-782DDCCE6D9C}" type="slidenum">
               <a:rPr kumimoji="1" lang="ja-JP" altLang="en-US" smtClean="0"/>
               <a:t>10</a:t>
+            </a:fld>
+            <a:endParaRPr kumimoji="1" lang="ja-JP" altLang="en-US"/>
+          </a:p>
+        </p:txBody>
+      </p:sp>
+    </p:spTree>
+    <p:extLst>
+      <p:ext uri="{BB962C8B-B14F-4D97-AF65-F5344CB8AC3E}">
+        <p14:creationId xmlns:p14="http://schemas.microsoft.com/office/powerpoint/2010/main" val="621174911"/>
+      </p:ext>
+    </p:extLst>
+  </p:cSld>
+  <p:clrMapOvr>
+    <a:masterClrMapping/>
+  </p:clrMapOvr>
+</p:sld>
+</file>
+
+<file path=ppt/slides/slide11.xml><?xml version="1.0" encoding="utf-8"?>
+<p:sld xmlns:a="http://schemas.openxmlformats.org/drawingml/2006/main" xmlns:r="http://schemas.openxmlformats.org/officeDocument/2006/relationships" xmlns:p="http://schemas.openxmlformats.org/presentationml/2006/main">
+  <p:cSld>
+    <p:spTree>
+      <p:nvGrpSpPr>
+        <p:cNvPr id="1" name=""/>
+        <p:cNvGrpSpPr/>
+        <p:nvPr/>
+      </p:nvGrpSpPr>
+      <p:grpSpPr>
+        <a:xfrm>
+          <a:off x="0" y="0"/>
+          <a:ext cx="0" cy="0"/>
+          <a:chOff x="0" y="0"/>
+          <a:chExt cx="0" cy="0"/>
+        </a:xfrm>
+      </p:grpSpPr>
+      <p:sp>
+        <p:nvSpPr>
+          <p:cNvPr id="2" name="タイトル 1"/>
+          <p:cNvSpPr>
+            <a:spLocks noGrp="1"/>
+          </p:cNvSpPr>
+          <p:nvPr>
+            <p:ph type="title"/>
+          </p:nvPr>
+        </p:nvSpPr>
+        <p:spPr/>
+        <p:txBody>
+          <a:bodyPr/>
+          <a:lstStyle/>
+          <a:p>
+            <a:r>
+              <a:rPr lang="ja-JP" altLang="en-US" dirty="0"/>
+              <a:t>理論的背景（目次）</a:t>
+            </a:r>
+            <a:endParaRPr kumimoji="1" lang="ja-JP" altLang="en-US" dirty="0"/>
+          </a:p>
+        </p:txBody>
+      </p:sp>
+      <p:sp>
+        <p:nvSpPr>
+          <p:cNvPr id="4" name="スライド番号プレースホルダー 3"/>
+          <p:cNvSpPr>
+            <a:spLocks noGrp="1"/>
+          </p:cNvSpPr>
+          <p:nvPr>
+            <p:ph type="sldNum" sz="quarter" idx="12"/>
+          </p:nvPr>
+        </p:nvSpPr>
+        <p:spPr/>
+        <p:txBody>
+          <a:bodyPr/>
+          <a:lstStyle/>
+          <a:p>
+            <a:fld id="{D2D8002D-B5B0-4BAC-B1F6-782DDCCE6D9C}" type="slidenum">
+              <a:rPr kumimoji="1" lang="ja-JP" altLang="en-US" smtClean="0"/>
+              <a:t>11</a:t>
+            </a:fld>
+            <a:endParaRPr kumimoji="1" lang="ja-JP" altLang="en-US"/>
+          </a:p>
+        </p:txBody>
+      </p:sp>
+      <p:sp>
+        <p:nvSpPr>
+          <p:cNvPr id="3" name="テキスト ボックス 2">
+            <a:extLst>
+              <a:ext uri="{FF2B5EF4-FFF2-40B4-BE49-F238E27FC236}">
+                <a16:creationId xmlns:a16="http://schemas.microsoft.com/office/drawing/2014/main" id="{667B49C2-E67A-42DD-A915-D509CF0C8C99}"/>
+              </a:ext>
+            </a:extLst>
+          </p:cNvPr>
+          <p:cNvSpPr txBox="1"/>
+          <p:nvPr/>
+        </p:nvSpPr>
+        <p:spPr>
+          <a:xfrm>
+            <a:off x="755576" y="1568355"/>
+            <a:ext cx="6888095" cy="1759900"/>
+          </a:xfrm>
+          <a:prstGeom prst="rect">
+            <a:avLst/>
+          </a:prstGeom>
+          <a:noFill/>
+        </p:spPr>
+        <p:txBody>
+          <a:bodyPr wrap="none" lIns="36000" tIns="0" rIns="36000" bIns="36000" rtlCol="0">
+            <a:spAutoFit/>
+          </a:bodyPr>
+          <a:lstStyle/>
+          <a:p>
+            <a:pPr marL="342900" indent="-342900">
+              <a:buFont typeface="+mj-lt"/>
+              <a:buAutoNum type="arabicPeriod"/>
+            </a:pPr>
+            <a:r>
+              <a:rPr lang="ja-JP" altLang="en-US" sz="2800" dirty="0"/>
+              <a:t>考え方</a:t>
+            </a:r>
+            <a:endParaRPr lang="en-US" altLang="ja-JP" sz="2800" dirty="0"/>
+          </a:p>
+          <a:p>
+            <a:pPr marL="342900" indent="-342900">
+              <a:buFont typeface="+mj-lt"/>
+              <a:buAutoNum type="arabicPeriod"/>
+            </a:pPr>
+            <a:r>
+              <a:rPr kumimoji="1" lang="en-US" altLang="ja-JP" sz="2800" dirty="0"/>
+              <a:t>TF-IDF</a:t>
+            </a:r>
+            <a:r>
+              <a:rPr kumimoji="1" lang="ja-JP" altLang="en-US" sz="2800" dirty="0"/>
+              <a:t>とは</a:t>
+            </a:r>
+            <a:endParaRPr kumimoji="1" lang="en-US" altLang="ja-JP" sz="2800" dirty="0"/>
+          </a:p>
+          <a:p>
+            <a:pPr marL="342900" indent="-342900">
+              <a:buFont typeface="+mj-lt"/>
+              <a:buAutoNum type="arabicPeriod"/>
+            </a:pPr>
+            <a:r>
+              <a:rPr lang="en-US" altLang="ja-JP" sz="2800" dirty="0"/>
+              <a:t>TF-IDF</a:t>
+            </a:r>
+            <a:r>
+              <a:rPr lang="ja-JP" altLang="en-US" sz="2800" dirty="0"/>
+              <a:t>を求める「</a:t>
+            </a:r>
+            <a:r>
+              <a:rPr lang="en-US" altLang="ja-JP" sz="2800" dirty="0" err="1"/>
+              <a:t>TfidfVectorizer</a:t>
+            </a:r>
+            <a:r>
+              <a:rPr lang="ja-JP" altLang="en-US" sz="2800" dirty="0"/>
+              <a:t>」について</a:t>
+            </a:r>
+            <a:endParaRPr lang="en-US" altLang="ja-JP" sz="2800" dirty="0"/>
+          </a:p>
+          <a:p>
+            <a:pPr marL="342900" indent="-342900">
+              <a:buFont typeface="+mj-lt"/>
+              <a:buAutoNum type="arabicPeriod"/>
+            </a:pPr>
+            <a:r>
+              <a:rPr lang="ja-JP" altLang="en-US" sz="2800" dirty="0"/>
+              <a:t>「</a:t>
+            </a:r>
+            <a:r>
+              <a:rPr lang="en-US" altLang="ja-JP" sz="2800" dirty="0" err="1"/>
+              <a:t>TfidfVectorizer</a:t>
+            </a:r>
+            <a:r>
+              <a:rPr lang="ja-JP" altLang="en-US" sz="2800" dirty="0"/>
+              <a:t>」の主なパラメータ</a:t>
+            </a:r>
+            <a:endParaRPr kumimoji="1" lang="ja-JP" altLang="en-US" sz="2800" dirty="0"/>
+          </a:p>
+        </p:txBody>
+      </p:sp>
+    </p:spTree>
+    <p:extLst>
+      <p:ext uri="{BB962C8B-B14F-4D97-AF65-F5344CB8AC3E}">
+        <p14:creationId xmlns:p14="http://schemas.microsoft.com/office/powerpoint/2010/main" val="3303200950"/>
+      </p:ext>
+    </p:extLst>
+  </p:cSld>
+  <p:clrMapOvr>
+    <a:masterClrMapping/>
+  </p:clrMapOvr>
+</p:sld>
+</file>
+
+<file path=ppt/slides/slide12.xml><?xml version="1.0" encoding="utf-8"?>
+<p:sld xmlns:a="http://schemas.openxmlformats.org/drawingml/2006/main" xmlns:r="http://schemas.openxmlformats.org/officeDocument/2006/relationships" xmlns:p="http://schemas.openxmlformats.org/presentationml/2006/main">
+  <p:cSld>
+    <p:spTree>
+      <p:nvGrpSpPr>
+        <p:cNvPr id="1" name=""/>
+        <p:cNvGrpSpPr/>
+        <p:nvPr/>
+      </p:nvGrpSpPr>
+      <p:grpSpPr>
+        <a:xfrm>
+          <a:off x="0" y="0"/>
+          <a:ext cx="0" cy="0"/>
+          <a:chOff x="0" y="0"/>
+          <a:chExt cx="0" cy="0"/>
+        </a:xfrm>
+      </p:grpSpPr>
+      <p:sp>
+        <p:nvSpPr>
+          <p:cNvPr id="2" name="タイトル 1"/>
+          <p:cNvSpPr>
+            <a:spLocks noGrp="1"/>
+          </p:cNvSpPr>
+          <p:nvPr>
+            <p:ph type="title"/>
+          </p:nvPr>
+        </p:nvSpPr>
+        <p:spPr/>
+        <p:txBody>
+          <a:bodyPr/>
+          <a:lstStyle/>
+          <a:p>
+            <a:r>
+              <a:rPr kumimoji="1" lang="ja-JP" altLang="en-US" dirty="0"/>
+              <a:t>理論的背景</a:t>
+            </a:r>
+            <a:r>
+              <a:rPr kumimoji="1" lang="ja-JP" altLang="en-US" sz="3200" dirty="0"/>
+              <a:t>（</a:t>
+            </a:r>
+            <a:r>
+              <a:rPr kumimoji="1" lang="en-US" altLang="ja-JP" sz="3200" dirty="0"/>
+              <a:t>1. </a:t>
+            </a:r>
+            <a:r>
+              <a:rPr kumimoji="1" lang="ja-JP" altLang="en-US" sz="3200" dirty="0"/>
+              <a:t>考え方）</a:t>
+            </a:r>
+            <a:endParaRPr kumimoji="1" lang="ja-JP" altLang="en-US" dirty="0"/>
+          </a:p>
+        </p:txBody>
+      </p:sp>
+      <p:sp>
+        <p:nvSpPr>
+          <p:cNvPr id="3" name="スライド番号プレースホルダー 2"/>
+          <p:cNvSpPr>
+            <a:spLocks noGrp="1"/>
+          </p:cNvSpPr>
+          <p:nvPr>
+            <p:ph type="sldNum" sz="quarter" idx="12"/>
+          </p:nvPr>
+        </p:nvSpPr>
+        <p:spPr/>
+        <p:txBody>
+          <a:bodyPr/>
+          <a:lstStyle/>
+          <a:p>
+            <a:fld id="{D2D8002D-B5B0-4BAC-B1F6-782DDCCE6D9C}" type="slidenum">
+              <a:rPr kumimoji="1" lang="ja-JP" altLang="en-US" smtClean="0"/>
+              <a:t>12</a:t>
             </a:fld>
             <a:endParaRPr kumimoji="1" lang="ja-JP" altLang="en-US"/>
           </a:p>
@@ -4667,7 +5052,7 @@
 </p:sld>
 </file>
 
-<file path=ppt/slides/slide11.xml><?xml version="1.0" encoding="utf-8"?>
+<file path=ppt/slides/slide13.xml><?xml version="1.0" encoding="utf-8"?>
 <p:sld xmlns:a="http://schemas.openxmlformats.org/drawingml/2006/main" xmlns:r="http://schemas.openxmlformats.org/officeDocument/2006/relationships" xmlns:p="http://schemas.openxmlformats.org/presentationml/2006/main">
   <p:cSld>
     <p:spTree>
@@ -4740,7 +5125,7 @@
           <a:p>
             <a:fld id="{D2D8002D-B5B0-4BAC-B1F6-782DDCCE6D9C}" type="slidenum">
               <a:rPr kumimoji="1" lang="ja-JP" altLang="en-US" smtClean="0"/>
-              <a:t>11</a:t>
+              <a:t>13</a:t>
             </a:fld>
             <a:endParaRPr kumimoji="1" lang="ja-JP" altLang="en-US"/>
           </a:p>
@@ -5248,7 +5633,7 @@
 </p:sld>
 </file>
 
-<file path=ppt/slides/slide12.xml><?xml version="1.0" encoding="utf-8"?>
+<file path=ppt/slides/slide14.xml><?xml version="1.0" encoding="utf-8"?>
 <p:sld xmlns:a="http://schemas.openxmlformats.org/drawingml/2006/main" xmlns:r="http://schemas.openxmlformats.org/officeDocument/2006/relationships" xmlns:p="http://schemas.openxmlformats.org/presentationml/2006/main">
   <p:cSld>
     <p:spTree>
@@ -5333,7 +5718,7 @@
           <a:p>
             <a:fld id="{D2D8002D-B5B0-4BAC-B1F6-782DDCCE6D9C}" type="slidenum">
               <a:rPr kumimoji="1" lang="ja-JP" altLang="en-US" smtClean="0"/>
-              <a:t>12</a:t>
+              <a:t>14</a:t>
             </a:fld>
             <a:endParaRPr kumimoji="1" lang="ja-JP" altLang="en-US"/>
           </a:p>
@@ -5888,7 +6273,7 @@
 </p:sld>
 </file>
 
-<file path=ppt/slides/slide13.xml><?xml version="1.0" encoding="utf-8"?>
+<file path=ppt/slides/slide15.xml><?xml version="1.0" encoding="utf-8"?>
 <p:sld xmlns:a="http://schemas.openxmlformats.org/drawingml/2006/main" xmlns:r="http://schemas.openxmlformats.org/officeDocument/2006/relationships" xmlns:p="http://schemas.openxmlformats.org/presentationml/2006/main">
   <p:cSld>
     <p:spTree>
@@ -5965,7 +6350,7 @@
           <a:p>
             <a:fld id="{D2D8002D-B5B0-4BAC-B1F6-782DDCCE6D9C}" type="slidenum">
               <a:rPr kumimoji="1" lang="ja-JP" altLang="en-US" smtClean="0"/>
-              <a:t>13</a:t>
+              <a:t>15</a:t>
             </a:fld>
             <a:endParaRPr kumimoji="1" lang="ja-JP" altLang="en-US"/>
           </a:p>
@@ -6475,520 +6860,6 @@
 </p:sld>
 </file>
 
-<file path=ppt/slides/slide14.xml><?xml version="1.0" encoding="utf-8"?>
-<p:sld xmlns:a="http://schemas.openxmlformats.org/drawingml/2006/main" xmlns:r="http://schemas.openxmlformats.org/officeDocument/2006/relationships" xmlns:p="http://schemas.openxmlformats.org/presentationml/2006/main">
-  <p:cSld>
-    <p:spTree>
-      <p:nvGrpSpPr>
-        <p:cNvPr id="1" name=""/>
-        <p:cNvGrpSpPr/>
-        <p:nvPr/>
-      </p:nvGrpSpPr>
-      <p:grpSpPr>
-        <a:xfrm>
-          <a:off x="0" y="0"/>
-          <a:ext cx="0" cy="0"/>
-          <a:chOff x="0" y="0"/>
-          <a:chExt cx="0" cy="0"/>
-        </a:xfrm>
-      </p:grpSpPr>
-      <p:sp>
-        <p:nvSpPr>
-          <p:cNvPr id="2" name="タイトル 1"/>
-          <p:cNvSpPr>
-            <a:spLocks noGrp="1"/>
-          </p:cNvSpPr>
-          <p:nvPr>
-            <p:ph type="title"/>
-          </p:nvPr>
-        </p:nvSpPr>
-        <p:spPr/>
-        <p:txBody>
-          <a:bodyPr/>
-          <a:lstStyle/>
-          <a:p>
-            <a:r>
-              <a:rPr lang="ja-JP" altLang="en-US" dirty="0"/>
-              <a:t>出典</a:t>
-            </a:r>
-            <a:endParaRPr kumimoji="1" lang="ja-JP" altLang="en-US" dirty="0"/>
-          </a:p>
-        </p:txBody>
-      </p:sp>
-      <p:sp>
-        <p:nvSpPr>
-          <p:cNvPr id="3" name="コンテンツ プレースホルダー 2"/>
-          <p:cNvSpPr>
-            <a:spLocks noGrp="1"/>
-          </p:cNvSpPr>
-          <p:nvPr>
-            <p:ph idx="1"/>
-          </p:nvPr>
-        </p:nvSpPr>
-        <p:spPr/>
-        <p:txBody>
-          <a:bodyPr/>
-          <a:lstStyle/>
-          <a:p>
-            <a:r>
-              <a:rPr lang="en-US" altLang="ja-JP" dirty="0"/>
-              <a:t>TF-IDF </a:t>
-            </a:r>
-            <a:r>
-              <a:rPr lang="ja-JP" altLang="en-US" dirty="0"/>
-              <a:t>で文書をベクトル化。</a:t>
-            </a:r>
-            <a:r>
-              <a:rPr lang="en-US" altLang="ja-JP" dirty="0"/>
-              <a:t>python </a:t>
-            </a:r>
-            <a:r>
-              <a:rPr lang="ja-JP" altLang="en-US" dirty="0"/>
-              <a:t>の </a:t>
-            </a:r>
-            <a:r>
-              <a:rPr lang="en-US" altLang="ja-JP" dirty="0" err="1"/>
-              <a:t>TfidfVectorizer</a:t>
-            </a:r>
-            <a:r>
-              <a:rPr lang="en-US" altLang="ja-JP" dirty="0"/>
-              <a:t> </a:t>
-            </a:r>
-            <a:r>
-              <a:rPr lang="ja-JP" altLang="en-US" dirty="0"/>
-              <a:t>を使ってみる</a:t>
-            </a:r>
-            <a:endParaRPr lang="en-US" altLang="ja-JP" dirty="0"/>
-          </a:p>
-          <a:p>
-            <a:pPr lvl="1"/>
-            <a:r>
-              <a:rPr lang="en-US" altLang="ja-JP" dirty="0">
-                <a:hlinkClick r:id="rId2"/>
-              </a:rPr>
-              <a:t>http://ailaby.com/tfidf/</a:t>
-            </a:r>
-            <a:endParaRPr lang="en-US" altLang="ja-JP" dirty="0"/>
-          </a:p>
-          <a:p>
-            <a:r>
-              <a:rPr lang="en-US" altLang="ja-JP" dirty="0" err="1"/>
-              <a:t>TfidfVectorizer</a:t>
-            </a:r>
-            <a:r>
-              <a:rPr lang="ja-JP" altLang="en-US" dirty="0"/>
-              <a:t>のよく使いそうなオプションまとめ</a:t>
-            </a:r>
-            <a:endParaRPr lang="en-US" altLang="ja-JP" dirty="0"/>
-          </a:p>
-          <a:p>
-            <a:pPr lvl="1"/>
-            <a:r>
-              <a:rPr lang="en-US" altLang="ja-JP" dirty="0">
-                <a:hlinkClick r:id="rId3"/>
-              </a:rPr>
-              <a:t>http://moritamori.hatenablog.com/entry/tfidf_vectorizer</a:t>
-            </a:r>
-            <a:endParaRPr lang="en-US" altLang="ja-JP" dirty="0"/>
-          </a:p>
-          <a:p>
-            <a:r>
-              <a:rPr lang="en-US" altLang="ja-JP" dirty="0" err="1"/>
-              <a:t>scikit</a:t>
-            </a:r>
-            <a:r>
-              <a:rPr lang="en-US" altLang="ja-JP" dirty="0"/>
-              <a:t>-learn</a:t>
-            </a:r>
-            <a:r>
-              <a:rPr lang="ja-JP" altLang="en-US" dirty="0"/>
-              <a:t>で</a:t>
-            </a:r>
-            <a:r>
-              <a:rPr lang="en-US" altLang="ja-JP" dirty="0" err="1"/>
-              <a:t>tf-idf</a:t>
-            </a:r>
-            <a:r>
-              <a:rPr lang="ja-JP" altLang="en-US" dirty="0"/>
-              <a:t>を計算する</a:t>
-            </a:r>
-            <a:endParaRPr lang="en-US" altLang="ja-JP" dirty="0"/>
-          </a:p>
-          <a:p>
-            <a:pPr lvl="1"/>
-            <a:r>
-              <a:rPr lang="en-US" altLang="ja-JP" dirty="0">
-                <a:hlinkClick r:id="rId4"/>
-              </a:rPr>
-              <a:t>https://qiita.com/katryo/items/f86971afcb65ce1e7d40</a:t>
-            </a:r>
-            <a:endParaRPr lang="en-US" altLang="ja-JP" dirty="0"/>
-          </a:p>
-          <a:p>
-            <a:r>
-              <a:rPr kumimoji="1" lang="en-US" altLang="ja-JP" dirty="0" err="1"/>
-              <a:t>Scikit</a:t>
-            </a:r>
-            <a:r>
-              <a:rPr kumimoji="1" lang="en-US" altLang="ja-JP" dirty="0"/>
-              <a:t>-learn</a:t>
-            </a:r>
-            <a:r>
-              <a:rPr kumimoji="1" lang="ja-JP" altLang="en-US" dirty="0"/>
-              <a:t>本家</a:t>
-            </a:r>
-            <a:endParaRPr kumimoji="1" lang="en-US" altLang="ja-JP" dirty="0"/>
-          </a:p>
-          <a:p>
-            <a:pPr lvl="1"/>
-            <a:r>
-              <a:rPr lang="en-US" altLang="ja-JP" sz="1800" dirty="0">
-                <a:hlinkClick r:id="rId5"/>
-              </a:rPr>
-              <a:t>https://scikit-learn.org/stable/modules/generated/sklearn.feature_extraction.text.TfidfVectorizer.html</a:t>
-            </a:r>
-            <a:endParaRPr kumimoji="1" lang="ja-JP" altLang="en-US" sz="1800" dirty="0"/>
-          </a:p>
-        </p:txBody>
-      </p:sp>
-      <p:sp>
-        <p:nvSpPr>
-          <p:cNvPr id="4" name="スライド番号プレースホルダー 3"/>
-          <p:cNvSpPr>
-            <a:spLocks noGrp="1"/>
-          </p:cNvSpPr>
-          <p:nvPr>
-            <p:ph type="sldNum" sz="quarter" idx="12"/>
-          </p:nvPr>
-        </p:nvSpPr>
-        <p:spPr/>
-        <p:txBody>
-          <a:bodyPr/>
-          <a:lstStyle/>
-          <a:p>
-            <a:fld id="{D2D8002D-B5B0-4BAC-B1F6-782DDCCE6D9C}" type="slidenum">
-              <a:rPr kumimoji="1" lang="ja-JP" altLang="en-US" smtClean="0"/>
-              <a:t>14</a:t>
-            </a:fld>
-            <a:endParaRPr kumimoji="1" lang="ja-JP" altLang="en-US"/>
-          </a:p>
-        </p:txBody>
-      </p:sp>
-    </p:spTree>
-    <p:extLst>
-      <p:ext uri="{BB962C8B-B14F-4D97-AF65-F5344CB8AC3E}">
-        <p14:creationId xmlns:p14="http://schemas.microsoft.com/office/powerpoint/2010/main" val="621174911"/>
-      </p:ext>
-    </p:extLst>
-  </p:cSld>
-  <p:clrMapOvr>
-    <a:masterClrMapping/>
-  </p:clrMapOvr>
-</p:sld>
-</file>
-
-<file path=ppt/slides/slide15.xml><?xml version="1.0" encoding="utf-8"?>
-<p:sld xmlns:a="http://schemas.openxmlformats.org/drawingml/2006/main" xmlns:r="http://schemas.openxmlformats.org/officeDocument/2006/relationships" xmlns:p="http://schemas.openxmlformats.org/presentationml/2006/main">
-  <p:cSld>
-    <p:spTree>
-      <p:nvGrpSpPr>
-        <p:cNvPr id="1" name=""/>
-        <p:cNvGrpSpPr/>
-        <p:nvPr/>
-      </p:nvGrpSpPr>
-      <p:grpSpPr>
-        <a:xfrm>
-          <a:off x="0" y="0"/>
-          <a:ext cx="0" cy="0"/>
-          <a:chOff x="0" y="0"/>
-          <a:chExt cx="0" cy="0"/>
-        </a:xfrm>
-      </p:grpSpPr>
-      <p:sp>
-        <p:nvSpPr>
-          <p:cNvPr id="2" name="タイトル 1"/>
-          <p:cNvSpPr>
-            <a:spLocks noGrp="1"/>
-          </p:cNvSpPr>
-          <p:nvPr>
-            <p:ph type="title"/>
-          </p:nvPr>
-        </p:nvSpPr>
-        <p:spPr/>
-        <p:txBody>
-          <a:bodyPr/>
-          <a:lstStyle/>
-          <a:p>
-            <a:r>
-              <a:rPr kumimoji="1" lang="ja-JP" altLang="en-US" dirty="0"/>
-              <a:t>関連するパターン</a:t>
-            </a:r>
-          </a:p>
-        </p:txBody>
-      </p:sp>
-      <p:sp>
-        <p:nvSpPr>
-          <p:cNvPr id="3" name="コンテンツ プレースホルダー 2"/>
-          <p:cNvSpPr>
-            <a:spLocks noGrp="1"/>
-          </p:cNvSpPr>
-          <p:nvPr>
-            <p:ph idx="1"/>
-          </p:nvPr>
-        </p:nvSpPr>
-        <p:spPr/>
-        <p:txBody>
-          <a:bodyPr/>
-          <a:lstStyle/>
-          <a:p>
-            <a:r>
-              <a:rPr lang="ja-JP" altLang="en-US" dirty="0"/>
-              <a:t>線形分離可能な観点</a:t>
-            </a:r>
-            <a:endParaRPr kumimoji="1" lang="en-US" altLang="ja-JP" dirty="0"/>
-          </a:p>
-          <a:p>
-            <a:pPr lvl="1"/>
-            <a:r>
-              <a:rPr lang="ja-JP" altLang="en-US" dirty="0"/>
-              <a:t>線形回帰</a:t>
-            </a:r>
-            <a:r>
-              <a:rPr lang="en-US" altLang="ja-JP" dirty="0"/>
-              <a:t>			</a:t>
-            </a:r>
-            <a:r>
-              <a:rPr lang="en-US" altLang="ja-JP" dirty="0" err="1"/>
-              <a:t>LinearRegression</a:t>
-            </a:r>
-            <a:endParaRPr lang="en-US" altLang="ja-JP" dirty="0"/>
-          </a:p>
-          <a:p>
-            <a:pPr lvl="1"/>
-            <a:r>
-              <a:rPr lang="en-US" altLang="ja-JP" dirty="0"/>
-              <a:t>Lasso</a:t>
-            </a:r>
-            <a:r>
-              <a:rPr lang="ja-JP" altLang="en-US" dirty="0"/>
-              <a:t>回帰（</a:t>
-            </a:r>
-            <a:r>
-              <a:rPr lang="en-US" altLang="ja-JP" dirty="0"/>
-              <a:t>L1</a:t>
-            </a:r>
-            <a:r>
-              <a:rPr lang="ja-JP" altLang="en-US" dirty="0"/>
-              <a:t>正則化）</a:t>
-            </a:r>
-            <a:r>
-              <a:rPr lang="en-US" altLang="ja-JP" dirty="0"/>
-              <a:t>	Lasso</a:t>
-            </a:r>
-          </a:p>
-          <a:p>
-            <a:pPr lvl="1"/>
-            <a:r>
-              <a:rPr kumimoji="1" lang="en-US" altLang="ja-JP" dirty="0"/>
-              <a:t>Lasso</a:t>
-            </a:r>
-            <a:r>
-              <a:rPr kumimoji="1" lang="ja-JP" altLang="en-US" dirty="0"/>
-              <a:t>回帰（</a:t>
-            </a:r>
-            <a:r>
-              <a:rPr kumimoji="1" lang="en-US" altLang="ja-JP" dirty="0"/>
-              <a:t>L2</a:t>
-            </a:r>
-            <a:r>
-              <a:rPr kumimoji="1" lang="ja-JP" altLang="en-US" dirty="0"/>
-              <a:t>正則化）</a:t>
-            </a:r>
-            <a:r>
-              <a:rPr kumimoji="1" lang="en-US" altLang="ja-JP" dirty="0"/>
-              <a:t>	Ridge</a:t>
-            </a:r>
-          </a:p>
-          <a:p>
-            <a:r>
-              <a:rPr kumimoji="1" lang="ja-JP" altLang="en-US" dirty="0"/>
-              <a:t>「分類」観点</a:t>
-            </a:r>
-            <a:endParaRPr kumimoji="1" lang="en-US" altLang="ja-JP" dirty="0"/>
-          </a:p>
-          <a:p>
-            <a:pPr lvl="1"/>
-            <a:r>
-              <a:rPr lang="ja-JP" altLang="en-US" dirty="0"/>
-              <a:t>線形サポートベクターマシン</a:t>
-            </a:r>
-            <a:r>
-              <a:rPr lang="en-US" altLang="ja-JP" dirty="0"/>
-              <a:t>	</a:t>
-            </a:r>
-            <a:r>
-              <a:rPr lang="en-US" altLang="ja-JP" dirty="0" err="1"/>
-              <a:t>LinearSVC</a:t>
-            </a:r>
-            <a:endParaRPr lang="en-US" altLang="ja-JP" dirty="0"/>
-          </a:p>
-          <a:p>
-            <a:pPr lvl="1"/>
-            <a:r>
-              <a:rPr kumimoji="1" lang="ja-JP" altLang="en-US" dirty="0"/>
-              <a:t>決定木</a:t>
-            </a:r>
-            <a:r>
-              <a:rPr lang="en-US" altLang="ja-JP" dirty="0"/>
-              <a:t>			</a:t>
-            </a:r>
-            <a:r>
-              <a:rPr lang="en-US" altLang="ja-JP" dirty="0" err="1"/>
-              <a:t>DecisionTreeClassifier</a:t>
-            </a:r>
-            <a:endParaRPr lang="en-US" altLang="ja-JP" dirty="0"/>
-          </a:p>
-          <a:p>
-            <a:pPr lvl="1"/>
-            <a:r>
-              <a:rPr kumimoji="1" lang="ja-JP" altLang="en-US" dirty="0"/>
-              <a:t>サポートベクターマシン</a:t>
-            </a:r>
-            <a:r>
-              <a:rPr kumimoji="1" lang="en-US" altLang="ja-JP" dirty="0"/>
-              <a:t>	SVC</a:t>
-            </a:r>
-          </a:p>
-          <a:p>
-            <a:pPr lvl="1"/>
-            <a:r>
-              <a:rPr kumimoji="1" lang="ja-JP" altLang="en-US" dirty="0"/>
-              <a:t>ニューラルネットワーク </a:t>
-            </a:r>
-            <a:r>
-              <a:rPr lang="en-US" altLang="ja-JP" dirty="0"/>
-              <a:t>※	</a:t>
-            </a:r>
-            <a:r>
-              <a:rPr lang="ja-JP" altLang="en-US" dirty="0"/>
-              <a:t>パーセプトロン、</a:t>
-            </a:r>
-            <a:r>
-              <a:rPr lang="en-US" altLang="ja-JP" dirty="0"/>
-              <a:t>CNN</a:t>
-            </a:r>
-            <a:r>
-              <a:rPr lang="ja-JP" altLang="en-US" dirty="0" err="1"/>
-              <a:t>、</a:t>
-            </a:r>
-            <a:r>
-              <a:rPr lang="en-US" altLang="ja-JP" dirty="0"/>
-              <a:t>RNN</a:t>
-            </a:r>
-            <a:r>
-              <a:rPr lang="ja-JP" altLang="en-US" dirty="0"/>
-              <a:t>など</a:t>
-            </a:r>
-            <a:endParaRPr lang="en-US" altLang="ja-JP" dirty="0"/>
-          </a:p>
-          <a:p>
-            <a:pPr lvl="1"/>
-            <a:r>
-              <a:rPr kumimoji="1" lang="en-US" altLang="ja-JP" dirty="0"/>
-              <a:t>K</a:t>
-            </a:r>
-            <a:r>
-              <a:rPr kumimoji="1" lang="ja-JP" altLang="en-US" dirty="0"/>
-              <a:t>近傍法</a:t>
-            </a:r>
-            <a:r>
-              <a:rPr lang="en-US" altLang="ja-JP" dirty="0"/>
-              <a:t>			</a:t>
-            </a:r>
-            <a:r>
-              <a:rPr lang="en-US" altLang="ja-JP" dirty="0" err="1"/>
-              <a:t>KNeighborsClassifier</a:t>
-            </a:r>
-            <a:endParaRPr lang="en-US" altLang="ja-JP" dirty="0"/>
-          </a:p>
-          <a:p>
-            <a:pPr marL="274320" lvl="1" indent="0">
-              <a:buNone/>
-            </a:pPr>
-            <a:endParaRPr lang="en-US" altLang="ja-JP" dirty="0"/>
-          </a:p>
-          <a:p>
-            <a:pPr marL="0" indent="0">
-              <a:buNone/>
-            </a:pPr>
-            <a:r>
-              <a:rPr kumimoji="1" lang="en-US" altLang="ja-JP" sz="1800" dirty="0"/>
-              <a:t>※</a:t>
-            </a:r>
-            <a:r>
-              <a:rPr kumimoji="1" lang="ja-JP" altLang="en-US" sz="1800" dirty="0"/>
-              <a:t> </a:t>
-            </a:r>
-            <a:r>
-              <a:rPr kumimoji="1" lang="en-US" altLang="ja-JP" sz="1800" dirty="0"/>
-              <a:t>TensorFlow/</a:t>
-            </a:r>
-            <a:r>
-              <a:rPr kumimoji="1" lang="en-US" altLang="ja-JP" sz="1800" dirty="0" err="1"/>
-              <a:t>Keras</a:t>
-            </a:r>
-            <a:r>
-              <a:rPr kumimoji="1" lang="en-US" altLang="ja-JP" sz="1800" dirty="0"/>
-              <a:t> </a:t>
-            </a:r>
-            <a:r>
-              <a:rPr kumimoji="1" lang="ja-JP" altLang="en-US" sz="1800" dirty="0"/>
-              <a:t>のみ</a:t>
-            </a:r>
-            <a:endParaRPr kumimoji="1" lang="en-US" altLang="ja-JP" sz="1800" dirty="0"/>
-          </a:p>
-          <a:p>
-            <a:pPr lvl="1"/>
-            <a:endParaRPr lang="en-US" altLang="ja-JP" dirty="0"/>
-          </a:p>
-        </p:txBody>
-      </p:sp>
-      <p:sp>
-        <p:nvSpPr>
-          <p:cNvPr id="4" name="スライド番号プレースホルダー 3"/>
-          <p:cNvSpPr>
-            <a:spLocks noGrp="1"/>
-          </p:cNvSpPr>
-          <p:nvPr>
-            <p:ph type="sldNum" sz="quarter" idx="12"/>
-          </p:nvPr>
-        </p:nvSpPr>
-        <p:spPr/>
-        <p:txBody>
-          <a:bodyPr/>
-          <a:lstStyle/>
-          <a:p>
-            <a:fld id="{D2D8002D-B5B0-4BAC-B1F6-782DDCCE6D9C}" type="slidenum">
-              <a:rPr kumimoji="1" lang="ja-JP" altLang="en-US" smtClean="0"/>
-              <a:t>15</a:t>
-            </a:fld>
-            <a:endParaRPr kumimoji="1" lang="ja-JP" altLang="en-US"/>
-          </a:p>
-        </p:txBody>
-      </p:sp>
-    </p:spTree>
-    <p:extLst>
-      <p:ext uri="{BB962C8B-B14F-4D97-AF65-F5344CB8AC3E}">
-        <p14:creationId xmlns:p14="http://schemas.microsoft.com/office/powerpoint/2010/main" val="1627899226"/>
-      </p:ext>
-    </p:extLst>
-  </p:cSld>
-  <p:clrMapOvr>
-    <a:masterClrMapping/>
-  </p:clrMapOvr>
-</p:sld>
-</file>
-
 <file path=ppt/slides/slide2.xml><?xml version="1.0" encoding="utf-8"?>
 <p:sld xmlns:a="http://schemas.openxmlformats.org/drawingml/2006/main" xmlns:r="http://schemas.openxmlformats.org/officeDocument/2006/relationships" xmlns:p="http://schemas.openxmlformats.org/presentationml/2006/main">
   <p:cSld>
@@ -9291,10 +9162,236 @@
           <a:lstStyle/>
           <a:p>
             <a:r>
+              <a:rPr kumimoji="1" lang="ja-JP" altLang="en-US" dirty="0"/>
+              <a:t>関連するパターン</a:t>
+            </a:r>
+          </a:p>
+        </p:txBody>
+      </p:sp>
+      <p:sp>
+        <p:nvSpPr>
+          <p:cNvPr id="3" name="コンテンツ プレースホルダー 2"/>
+          <p:cNvSpPr>
+            <a:spLocks noGrp="1"/>
+          </p:cNvSpPr>
+          <p:nvPr>
+            <p:ph idx="1"/>
+          </p:nvPr>
+        </p:nvSpPr>
+        <p:spPr/>
+        <p:txBody>
+          <a:bodyPr/>
+          <a:lstStyle/>
+          <a:p>
+            <a:r>
               <a:rPr lang="ja-JP" altLang="en-US" dirty="0"/>
-              <a:t>理論的背景（目次）</a:t>
-            </a:r>
-            <a:endParaRPr kumimoji="1" lang="ja-JP" altLang="en-US" dirty="0"/>
+              <a:t>線形分離可能な観点</a:t>
+            </a:r>
+            <a:endParaRPr kumimoji="1" lang="en-US" altLang="ja-JP" dirty="0"/>
+          </a:p>
+          <a:p>
+            <a:pPr lvl="1"/>
+            <a:r>
+              <a:rPr lang="ja-JP" altLang="en-US" dirty="0"/>
+              <a:t>線形回帰</a:t>
+            </a:r>
+            <a:r>
+              <a:rPr lang="en-US" altLang="ja-JP" dirty="0"/>
+              <a:t>			</a:t>
+            </a:r>
+            <a:r>
+              <a:rPr lang="en-US" altLang="ja-JP" dirty="0" err="1"/>
+              <a:t>LinearRegression</a:t>
+            </a:r>
+            <a:endParaRPr lang="en-US" altLang="ja-JP" dirty="0"/>
+          </a:p>
+          <a:p>
+            <a:pPr lvl="1"/>
+            <a:r>
+              <a:rPr lang="en-US" altLang="ja-JP" dirty="0"/>
+              <a:t>Lasso</a:t>
+            </a:r>
+            <a:r>
+              <a:rPr lang="ja-JP" altLang="en-US" dirty="0"/>
+              <a:t>回帰（</a:t>
+            </a:r>
+            <a:r>
+              <a:rPr lang="en-US" altLang="ja-JP" dirty="0"/>
+              <a:t>L1</a:t>
+            </a:r>
+            <a:r>
+              <a:rPr lang="ja-JP" altLang="en-US" dirty="0"/>
+              <a:t>正則化）</a:t>
+            </a:r>
+            <a:r>
+              <a:rPr lang="en-US" altLang="ja-JP" dirty="0"/>
+              <a:t>	Lasso</a:t>
+            </a:r>
+          </a:p>
+          <a:p>
+            <a:pPr lvl="1"/>
+            <a:r>
+              <a:rPr kumimoji="1" lang="en-US" altLang="ja-JP" dirty="0"/>
+              <a:t>Lasso</a:t>
+            </a:r>
+            <a:r>
+              <a:rPr kumimoji="1" lang="ja-JP" altLang="en-US" dirty="0"/>
+              <a:t>回帰（</a:t>
+            </a:r>
+            <a:r>
+              <a:rPr kumimoji="1" lang="en-US" altLang="ja-JP" dirty="0"/>
+              <a:t>L2</a:t>
+            </a:r>
+            <a:r>
+              <a:rPr kumimoji="1" lang="ja-JP" altLang="en-US" dirty="0"/>
+              <a:t>正則化）</a:t>
+            </a:r>
+            <a:r>
+              <a:rPr kumimoji="1" lang="en-US" altLang="ja-JP" dirty="0"/>
+              <a:t>	Ridge</a:t>
+            </a:r>
+          </a:p>
+          <a:p>
+            <a:r>
+              <a:rPr kumimoji="1" lang="ja-JP" altLang="en-US" dirty="0"/>
+              <a:t>「分類」観点</a:t>
+            </a:r>
+            <a:endParaRPr kumimoji="1" lang="en-US" altLang="ja-JP" dirty="0"/>
+          </a:p>
+          <a:p>
+            <a:pPr lvl="1"/>
+            <a:r>
+              <a:rPr lang="ja-JP" altLang="en-US" dirty="0"/>
+              <a:t>線形サポートベクターマシン</a:t>
+            </a:r>
+            <a:r>
+              <a:rPr lang="en-US" altLang="ja-JP" dirty="0"/>
+              <a:t>	</a:t>
+            </a:r>
+            <a:r>
+              <a:rPr lang="en-US" altLang="ja-JP" dirty="0" err="1"/>
+              <a:t>LinearSVC</a:t>
+            </a:r>
+            <a:endParaRPr lang="en-US" altLang="ja-JP" dirty="0"/>
+          </a:p>
+          <a:p>
+            <a:pPr lvl="1"/>
+            <a:r>
+              <a:rPr kumimoji="1" lang="ja-JP" altLang="en-US" dirty="0"/>
+              <a:t>決定木</a:t>
+            </a:r>
+            <a:r>
+              <a:rPr lang="en-US" altLang="ja-JP" dirty="0"/>
+              <a:t>			</a:t>
+            </a:r>
+            <a:r>
+              <a:rPr lang="en-US" altLang="ja-JP" dirty="0" err="1"/>
+              <a:t>DecisionTreeClassifier</a:t>
+            </a:r>
+            <a:endParaRPr lang="en-US" altLang="ja-JP" dirty="0"/>
+          </a:p>
+          <a:p>
+            <a:pPr lvl="1"/>
+            <a:r>
+              <a:rPr kumimoji="1" lang="ja-JP" altLang="en-US" dirty="0"/>
+              <a:t>サポートベクターマシン</a:t>
+            </a:r>
+            <a:r>
+              <a:rPr kumimoji="1" lang="en-US" altLang="ja-JP" dirty="0"/>
+              <a:t>	SVC</a:t>
+            </a:r>
+          </a:p>
+          <a:p>
+            <a:pPr lvl="1"/>
+            <a:r>
+              <a:rPr kumimoji="1" lang="ja-JP" altLang="en-US" dirty="0"/>
+              <a:t>ニューラルネットワーク </a:t>
+            </a:r>
+            <a:r>
+              <a:rPr lang="en-US" altLang="ja-JP" dirty="0"/>
+              <a:t>※	</a:t>
+            </a:r>
+            <a:r>
+              <a:rPr lang="ja-JP" altLang="en-US" dirty="0"/>
+              <a:t>パーセプトロン、</a:t>
+            </a:r>
+            <a:r>
+              <a:rPr lang="en-US" altLang="ja-JP" dirty="0"/>
+              <a:t>CNN</a:t>
+            </a:r>
+            <a:r>
+              <a:rPr lang="ja-JP" altLang="en-US" dirty="0" err="1"/>
+              <a:t>、</a:t>
+            </a:r>
+            <a:r>
+              <a:rPr lang="en-US" altLang="ja-JP" dirty="0"/>
+              <a:t>RNN</a:t>
+            </a:r>
+            <a:r>
+              <a:rPr lang="ja-JP" altLang="en-US" dirty="0"/>
+              <a:t>など</a:t>
+            </a:r>
+            <a:endParaRPr lang="en-US" altLang="ja-JP" dirty="0"/>
+          </a:p>
+          <a:p>
+            <a:pPr lvl="1"/>
+            <a:r>
+              <a:rPr kumimoji="1" lang="en-US" altLang="ja-JP" dirty="0"/>
+              <a:t>K</a:t>
+            </a:r>
+            <a:r>
+              <a:rPr kumimoji="1" lang="ja-JP" altLang="en-US" dirty="0"/>
+              <a:t>近傍法</a:t>
+            </a:r>
+            <a:r>
+              <a:rPr lang="en-US" altLang="ja-JP" dirty="0"/>
+              <a:t>			</a:t>
+            </a:r>
+            <a:r>
+              <a:rPr lang="en-US" altLang="ja-JP" dirty="0" err="1"/>
+              <a:t>KNeighborsClassifier</a:t>
+            </a:r>
+            <a:endParaRPr lang="en-US" altLang="ja-JP" dirty="0"/>
+          </a:p>
+          <a:p>
+            <a:pPr marL="274320" lvl="1" indent="0">
+              <a:buNone/>
+            </a:pPr>
+            <a:endParaRPr lang="en-US" altLang="ja-JP" dirty="0"/>
+          </a:p>
+          <a:p>
+            <a:pPr marL="0" indent="0">
+              <a:buNone/>
+            </a:pPr>
+            <a:r>
+              <a:rPr kumimoji="1" lang="en-US" altLang="ja-JP" sz="1800" dirty="0"/>
+              <a:t>※</a:t>
+            </a:r>
+            <a:r>
+              <a:rPr kumimoji="1" lang="ja-JP" altLang="en-US" sz="1800" dirty="0"/>
+              <a:t> </a:t>
+            </a:r>
+            <a:r>
+              <a:rPr kumimoji="1" lang="en-US" altLang="ja-JP" sz="1800" dirty="0"/>
+              <a:t>TensorFlow/</a:t>
+            </a:r>
+            <a:r>
+              <a:rPr kumimoji="1" lang="en-US" altLang="ja-JP" sz="1800" dirty="0" err="1"/>
+              <a:t>Keras</a:t>
+            </a:r>
+            <a:r>
+              <a:rPr kumimoji="1" lang="en-US" altLang="ja-JP" sz="1800" dirty="0"/>
+              <a:t> </a:t>
+            </a:r>
+            <a:r>
+              <a:rPr kumimoji="1" lang="ja-JP" altLang="en-US" sz="1800" dirty="0"/>
+              <a:t>のみ</a:t>
+            </a:r>
+            <a:endParaRPr kumimoji="1" lang="en-US" altLang="ja-JP" sz="1800" dirty="0"/>
+          </a:p>
+          <a:p>
+            <a:pPr lvl="1"/>
+            <a:endParaRPr lang="en-US" altLang="ja-JP" dirty="0"/>
           </a:p>
         </p:txBody>
       </p:sp>
@@ -9321,107 +9418,10 @@
           </a:p>
         </p:txBody>
       </p:sp>
-      <p:sp>
-        <p:nvSpPr>
-          <p:cNvPr id="3" name="テキスト ボックス 2">
-            <a:extLst>
-              <a:ext uri="{FF2B5EF4-FFF2-40B4-BE49-F238E27FC236}">
-                <a16:creationId xmlns:a16="http://schemas.microsoft.com/office/drawing/2014/main" id="{667B49C2-E67A-42DD-A915-D509CF0C8C99}"/>
-              </a:ext>
-            </a:extLst>
-          </p:cNvPr>
-          <p:cNvSpPr txBox="1"/>
-          <p:nvPr/>
-        </p:nvSpPr>
-        <p:spPr>
-          <a:xfrm>
-            <a:off x="755576" y="1568355"/>
-            <a:ext cx="6888095" cy="1759900"/>
-          </a:xfrm>
-          <a:prstGeom prst="rect">
-            <a:avLst/>
-          </a:prstGeom>
-          <a:noFill/>
-        </p:spPr>
-        <p:txBody>
-          <a:bodyPr wrap="none" lIns="36000" tIns="0" rIns="36000" bIns="36000" rtlCol="0">
-            <a:spAutoFit/>
-          </a:bodyPr>
-          <a:lstStyle/>
-          <a:p>
-            <a:pPr marL="342900" indent="-342900">
-              <a:buFont typeface="+mj-lt"/>
-              <a:buAutoNum type="arabicPeriod"/>
-            </a:pPr>
-            <a:r>
-              <a:rPr lang="ja-JP" altLang="en-US" sz="2800" dirty="0"/>
-              <a:t>考え方</a:t>
-            </a:r>
-            <a:endParaRPr lang="en-US" altLang="ja-JP" sz="2800" dirty="0"/>
-          </a:p>
-          <a:p>
-            <a:pPr marL="342900" indent="-342900">
-              <a:buFont typeface="+mj-lt"/>
-              <a:buAutoNum type="arabicPeriod"/>
-            </a:pPr>
-            <a:r>
-              <a:rPr kumimoji="1" lang="en-US" altLang="ja-JP" sz="2800" dirty="0"/>
-              <a:t>TF-IDF</a:t>
-            </a:r>
-            <a:r>
-              <a:rPr kumimoji="1" lang="ja-JP" altLang="en-US" sz="2800" dirty="0"/>
-              <a:t>とは</a:t>
-            </a:r>
-            <a:endParaRPr kumimoji="1" lang="en-US" altLang="ja-JP" sz="2800" dirty="0"/>
-          </a:p>
-          <a:p>
-            <a:pPr marL="342900" indent="-342900">
-              <a:buFont typeface="+mj-lt"/>
-              <a:buAutoNum type="arabicPeriod"/>
-            </a:pPr>
-            <a:r>
-              <a:rPr lang="en-US" altLang="ja-JP" sz="2800" dirty="0"/>
-              <a:t>TF-IDF</a:t>
-            </a:r>
-            <a:r>
-              <a:rPr lang="ja-JP" altLang="en-US" sz="2800" dirty="0"/>
-              <a:t>を求める「</a:t>
-            </a:r>
-            <a:r>
-              <a:rPr lang="en-US" altLang="ja-JP" sz="2800" dirty="0" err="1"/>
-              <a:t>TfidfVectorizer</a:t>
-            </a:r>
-            <a:r>
-              <a:rPr lang="ja-JP" altLang="en-US" sz="2800" dirty="0"/>
-              <a:t>」について</a:t>
-            </a:r>
-            <a:endParaRPr lang="en-US" altLang="ja-JP" sz="2800" dirty="0"/>
-          </a:p>
-          <a:p>
-            <a:pPr marL="342900" indent="-342900">
-              <a:buFont typeface="+mj-lt"/>
-              <a:buAutoNum type="arabicPeriod"/>
-            </a:pPr>
-            <a:r>
-              <a:rPr lang="ja-JP" altLang="en-US" sz="2800" dirty="0"/>
-              <a:t>「</a:t>
-            </a:r>
-            <a:r>
-              <a:rPr lang="en-US" altLang="ja-JP" sz="2800" dirty="0" err="1"/>
-              <a:t>TfidfVectorizer</a:t>
-            </a:r>
-            <a:r>
-              <a:rPr lang="ja-JP" altLang="en-US" sz="2800" dirty="0"/>
-              <a:t>」の主なパラメータ</a:t>
-            </a:r>
-            <a:endParaRPr kumimoji="1" lang="ja-JP" altLang="en-US" sz="2800" dirty="0"/>
-          </a:p>
-        </p:txBody>
-      </p:sp>
     </p:spTree>
     <p:extLst>
       <p:ext uri="{BB962C8B-B14F-4D97-AF65-F5344CB8AC3E}">
-        <p14:creationId xmlns:p14="http://schemas.microsoft.com/office/powerpoint/2010/main" val="3303200950"/>
+        <p14:creationId xmlns:p14="http://schemas.microsoft.com/office/powerpoint/2010/main" val="1627899226"/>
       </p:ext>
     </p:extLst>
   </p:cSld>
